--- a/Reports/Disease Classification from Symptoms Description.pptx
+++ b/Reports/Disease Classification from Symptoms Description.pptx
@@ -1027,7 +1027,7 @@
           </a:pPr>
           <a:r>
             <a:rPr lang="en-US" b="1" dirty="0"/>
-            <a:t>90-95% Accuracy:</a:t>
+            <a:t>85-90% Accuracy:</a:t>
           </a:r>
           <a:r>
             <a:rPr lang="en-US" dirty="0"/>
@@ -1364,7 +1364,7 @@
           </a:pPr>
           <a:r>
             <a:rPr lang="en-US" sz="1900" b="1" kern="1200" dirty="0"/>
-            <a:t>90-95% Accuracy:</a:t>
+            <a:t>85-90% Accuracy:</a:t>
           </a:r>
           <a:r>
             <a:rPr lang="en-US" sz="1900" kern="1200" dirty="0"/>
@@ -13929,6 +13929,53 @@
       </p:grpSpPr>
       <p:sp>
         <p:nvSpPr>
+          <p:cNvPr id="11" name="Rectangle: Rounded Corners 10">
+            <a:extLst>
+              <a:ext uri="{FF2B5EF4-FFF2-40B4-BE49-F238E27FC236}">
+                <a16:creationId xmlns:a16="http://schemas.microsoft.com/office/drawing/2014/main" id="{134866CA-0DCB-5223-B78F-B93966A89B60}"/>
+              </a:ext>
+            </a:extLst>
+          </p:cNvPr>
+          <p:cNvSpPr/>
+          <p:nvPr/>
+        </p:nvSpPr>
+        <p:spPr>
+          <a:xfrm>
+            <a:off x="309033" y="4466777"/>
+            <a:ext cx="10731500" cy="2264224"/>
+          </a:xfrm>
+          <a:prstGeom prst="roundRect">
+            <a:avLst/>
+          </a:prstGeom>
+          <a:noFill/>
+        </p:spPr>
+        <p:style>
+          <a:lnRef idx="2">
+            <a:schemeClr val="accent1">
+              <a:shade val="15000"/>
+            </a:schemeClr>
+          </a:lnRef>
+          <a:fillRef idx="1">
+            <a:schemeClr val="accent1"/>
+          </a:fillRef>
+          <a:effectRef idx="0">
+            <a:schemeClr val="accent1"/>
+          </a:effectRef>
+          <a:fontRef idx="minor">
+            <a:schemeClr val="lt1"/>
+          </a:fontRef>
+        </p:style>
+        <p:txBody>
+          <a:bodyPr rtlCol="0" anchor="ctr"/>
+          <a:lstStyle/>
+          <a:p>
+            <a:pPr algn="ctr"/>
+            <a:endParaRPr lang="en-IN"/>
+          </a:p>
+        </p:txBody>
+      </p:sp>
+      <p:sp>
+        <p:nvSpPr>
           <p:cNvPr id="2" name="Slide Number Placeholder 1">
             <a:extLst>
               <a:ext uri="{FF2B5EF4-FFF2-40B4-BE49-F238E27FC236}">
@@ -14017,8 +14064,8 @@
         </p:nvSpPr>
         <p:spPr>
           <a:xfrm>
-            <a:off x="516252" y="465667"/>
-            <a:ext cx="3056467" cy="523220"/>
+            <a:off x="524719" y="140897"/>
+            <a:ext cx="3056467" cy="461665"/>
           </a:xfrm>
           <a:prstGeom prst="rect">
             <a:avLst/>
@@ -14044,7 +14091,7 @@
           <a:lstStyle/>
           <a:p>
             <a:r>
-              <a:rPr lang="en-IN" sz="2800" b="1" dirty="0">
+              <a:rPr lang="en-IN" sz="2400" b="1" dirty="0">
                 <a:ln/>
                 <a:solidFill>
                   <a:schemeClr val="accent3"/>
@@ -14052,6 +14099,12 @@
               </a:rPr>
               <a:t>Conclusion</a:t>
             </a:r>
+            <a:endParaRPr lang="en-IN" sz="2800" b="1" dirty="0">
+              <a:ln/>
+              <a:solidFill>
+                <a:schemeClr val="accent3"/>
+              </a:solidFill>
+            </a:endParaRPr>
           </a:p>
         </p:txBody>
       </p:sp>
@@ -14069,8 +14122,8 @@
         </p:nvSpPr>
         <p:spPr>
           <a:xfrm>
-            <a:off x="296333" y="988887"/>
-            <a:ext cx="11166808" cy="5027017"/>
+            <a:off x="283633" y="508669"/>
+            <a:ext cx="11599334" cy="3968009"/>
           </a:xfrm>
           <a:prstGeom prst="rect">
             <a:avLst/>
@@ -14100,7 +14153,7 @@
               <a:tabLst/>
             </a:pPr>
             <a:r>
-              <a:rPr kumimoji="0" lang="en-US" altLang="en-US" sz="1800" b="0" i="0" u="none" strike="noStrike" cap="none" normalizeH="0" baseline="0" dirty="0">
+              <a:rPr kumimoji="0" lang="en-US" altLang="en-US" sz="1700" b="0" i="0" u="none" strike="noStrike" cap="none" normalizeH="0" baseline="0" dirty="0">
                 <a:ln>
                   <a:noFill/>
                 </a:ln>
@@ -14113,7 +14166,7 @@
               <a:t> A machine learning-based system was developed using </a:t>
             </a:r>
             <a:r>
-              <a:rPr kumimoji="0" lang="en-US" altLang="en-US" sz="1800" b="1" i="0" u="none" strike="noStrike" cap="none" normalizeH="0" baseline="0" dirty="0">
+              <a:rPr kumimoji="0" lang="en-US" altLang="en-US" sz="1700" b="1" i="0" u="none" strike="noStrike" cap="none" normalizeH="0" baseline="0" dirty="0">
                 <a:ln>
                   <a:noFill/>
                 </a:ln>
@@ -14126,7 +14179,7 @@
               <a:t>TF-IDF vectorization</a:t>
             </a:r>
             <a:r>
-              <a:rPr kumimoji="0" lang="en-US" altLang="en-US" sz="1800" b="0" i="0" u="none" strike="noStrike" cap="none" normalizeH="0" baseline="0" dirty="0">
+              <a:rPr kumimoji="0" lang="en-US" altLang="en-US" sz="1700" b="0" i="0" u="none" strike="noStrike" cap="none" normalizeH="0" baseline="0" dirty="0">
                 <a:ln>
                   <a:noFill/>
                 </a:ln>
@@ -14139,7 +14192,7 @@
               <a:t> and </a:t>
             </a:r>
             <a:r>
-              <a:rPr kumimoji="0" lang="en-US" altLang="en-US" sz="1800" b="1" i="0" u="none" strike="noStrike" cap="none" normalizeH="0" baseline="0" dirty="0">
+              <a:rPr kumimoji="0" lang="en-US" altLang="en-US" sz="1700" b="1" i="0" u="none" strike="noStrike" cap="none" normalizeH="0" baseline="0" dirty="0">
                 <a:ln>
                   <a:noFill/>
                 </a:ln>
@@ -14152,7 +14205,7 @@
               <a:t>K-Nearest Neighbors (KNN)</a:t>
             </a:r>
             <a:r>
-              <a:rPr kumimoji="0" lang="en-US" altLang="en-US" sz="1800" b="0" i="0" u="none" strike="noStrike" cap="none" normalizeH="0" baseline="0" dirty="0">
+              <a:rPr kumimoji="0" lang="en-US" altLang="en-US" sz="1700" b="0" i="0" u="none" strike="noStrike" cap="none" normalizeH="0" baseline="0" dirty="0">
                 <a:ln>
                   <a:noFill/>
                 </a:ln>
@@ -14183,7 +14236,7 @@
               <a:tabLst/>
             </a:pPr>
             <a:r>
-              <a:rPr kumimoji="0" lang="en-US" altLang="en-US" sz="1800" b="0" i="0" u="none" strike="noStrike" cap="none" normalizeH="0" baseline="0" dirty="0">
+              <a:rPr kumimoji="0" lang="en-US" altLang="en-US" sz="1700" b="0" i="0" u="none" strike="noStrike" cap="none" normalizeH="0" baseline="0" dirty="0">
                 <a:ln>
                   <a:noFill/>
                 </a:ln>
@@ -14196,7 +14249,7 @@
               <a:t> The model achieved a high </a:t>
             </a:r>
             <a:r>
-              <a:rPr kumimoji="0" lang="en-US" altLang="en-US" sz="1800" b="1" i="0" u="none" strike="noStrike" cap="none" normalizeH="0" baseline="0" dirty="0">
+              <a:rPr kumimoji="0" lang="en-US" altLang="en-US" sz="1700" b="1" i="0" u="none" strike="noStrike" cap="none" normalizeH="0" baseline="0" dirty="0">
                 <a:ln>
                   <a:noFill/>
                 </a:ln>
@@ -14209,7 +14262,7 @@
               <a:t>accuracy of 93.61%</a:t>
             </a:r>
             <a:r>
-              <a:rPr kumimoji="0" lang="en-US" altLang="en-US" sz="1800" b="0" i="0" u="none" strike="noStrike" cap="none" normalizeH="0" baseline="0" dirty="0">
+              <a:rPr kumimoji="0" lang="en-US" altLang="en-US" sz="1700" b="0" i="0" u="none" strike="noStrike" cap="none" normalizeH="0" baseline="0" dirty="0">
                 <a:ln>
                   <a:noFill/>
                 </a:ln>
@@ -14222,7 +14275,7 @@
               <a:t>, outperforming Logistic Regression (93.06%) and </a:t>
             </a:r>
             <a:r>
-              <a:rPr kumimoji="0" lang="en-US" altLang="en-US" sz="1800" b="0" i="0" u="none" strike="noStrike" cap="none" normalizeH="0" baseline="0" dirty="0" err="1">
+              <a:rPr kumimoji="0" lang="en-US" altLang="en-US" sz="1700" b="0" i="0" u="none" strike="noStrike" cap="none" normalizeH="0" baseline="0" dirty="0" err="1">
                 <a:ln>
                   <a:noFill/>
                 </a:ln>
@@ -14235,7 +14288,7 @@
               <a:t>XGBoost</a:t>
             </a:r>
             <a:r>
-              <a:rPr kumimoji="0" lang="en-US" altLang="en-US" sz="1800" b="0" i="0" u="none" strike="noStrike" cap="none" normalizeH="0" baseline="0" dirty="0">
+              <a:rPr kumimoji="0" lang="en-US" altLang="en-US" sz="1700" b="0" i="0" u="none" strike="noStrike" cap="none" normalizeH="0" baseline="0" dirty="0">
                 <a:ln>
                   <a:noFill/>
                 </a:ln>
@@ -14266,7 +14319,7 @@
               <a:tabLst/>
             </a:pPr>
             <a:r>
-              <a:rPr kumimoji="0" lang="en-US" altLang="en-US" sz="1800" b="1" i="0" u="none" strike="noStrike" cap="none" normalizeH="0" baseline="0" dirty="0">
+              <a:rPr kumimoji="0" lang="en-US" altLang="en-US" sz="1700" b="1" i="0" u="none" strike="noStrike" cap="none" normalizeH="0" baseline="0" dirty="0">
                 <a:ln>
                   <a:noFill/>
                 </a:ln>
@@ -14279,7 +14332,7 @@
               <a:t> Text preprocessing</a:t>
             </a:r>
             <a:r>
-              <a:rPr kumimoji="0" lang="en-US" altLang="en-US" sz="1800" b="0" i="0" u="none" strike="noStrike" cap="none" normalizeH="0" baseline="0" dirty="0">
+              <a:rPr kumimoji="0" lang="en-US" altLang="en-US" sz="1700" b="0" i="0" u="none" strike="noStrike" cap="none" normalizeH="0" baseline="0" dirty="0">
                 <a:ln>
                   <a:noFill/>
                 </a:ln>
@@ -14292,7 +14345,7 @@
               <a:t> (</a:t>
             </a:r>
             <a:r>
-              <a:rPr kumimoji="0" lang="en-US" altLang="en-US" sz="1800" b="0" i="0" u="none" strike="noStrike" cap="none" normalizeH="0" baseline="0" dirty="0" err="1">
+              <a:rPr kumimoji="0" lang="en-US" altLang="en-US" sz="1700" b="0" i="0" u="none" strike="noStrike" cap="none" normalizeH="0" baseline="0" dirty="0" err="1">
                 <a:ln>
                   <a:noFill/>
                 </a:ln>
@@ -14305,7 +14358,7 @@
               <a:t>stopword</a:t>
             </a:r>
             <a:r>
-              <a:rPr kumimoji="0" lang="en-US" altLang="en-US" sz="1800" b="0" i="0" u="none" strike="noStrike" cap="none" normalizeH="0" baseline="0" dirty="0">
+              <a:rPr kumimoji="0" lang="en-US" altLang="en-US" sz="1700" b="0" i="0" u="none" strike="noStrike" cap="none" normalizeH="0" baseline="0" dirty="0">
                 <a:ln>
                   <a:noFill/>
                 </a:ln>
@@ -14336,7 +14389,7 @@
               <a:tabLst/>
             </a:pPr>
             <a:r>
-              <a:rPr kumimoji="0" lang="en-US" altLang="en-US" sz="1800" b="1" i="0" u="none" strike="noStrike" cap="none" normalizeH="0" baseline="0" dirty="0">
+              <a:rPr kumimoji="0" lang="en-US" altLang="en-US" sz="1700" b="1" i="0" u="none" strike="noStrike" cap="none" normalizeH="0" baseline="0" dirty="0">
                 <a:ln>
                   <a:noFill/>
                 </a:ln>
@@ -14349,7 +14402,7 @@
               <a:t> Grid Search, cross-validation, and oversampling</a:t>
             </a:r>
             <a:r>
-              <a:rPr kumimoji="0" lang="en-US" altLang="en-US" sz="1800" b="0" i="0" u="none" strike="noStrike" cap="none" normalizeH="0" baseline="0" dirty="0">
+              <a:rPr kumimoji="0" lang="en-US" altLang="en-US" sz="1700" b="0" i="0" u="none" strike="noStrike" cap="none" normalizeH="0" baseline="0" dirty="0">
                 <a:ln>
                   <a:noFill/>
                 </a:ln>
@@ -14380,7 +14433,7 @@
               <a:tabLst/>
             </a:pPr>
             <a:r>
-              <a:rPr kumimoji="0" lang="en-US" altLang="en-US" sz="1800" b="0" i="0" u="none" strike="noStrike" cap="none" normalizeH="0" baseline="0" dirty="0">
+              <a:rPr kumimoji="0" lang="en-US" altLang="en-US" sz="1700" b="0" i="0" u="none" strike="noStrike" cap="none" normalizeH="0" baseline="0" dirty="0">
                 <a:ln>
                   <a:noFill/>
                 </a:ln>
@@ -14393,7 +14446,7 @@
               <a:t> KNN proved most effective due to its </a:t>
             </a:r>
             <a:r>
-              <a:rPr kumimoji="0" lang="en-US" altLang="en-US" sz="1800" b="1" i="0" u="none" strike="noStrike" cap="none" normalizeH="0" baseline="0" dirty="0">
+              <a:rPr kumimoji="0" lang="en-US" altLang="en-US" sz="1700" b="1" i="0" u="none" strike="noStrike" cap="none" normalizeH="0" baseline="0" dirty="0">
                 <a:ln>
                   <a:noFill/>
                 </a:ln>
@@ -14406,7 +14459,7 @@
               <a:t>instance-based, interpretable nature</a:t>
             </a:r>
             <a:r>
-              <a:rPr kumimoji="0" lang="en-US" altLang="en-US" sz="1800" b="0" i="0" u="none" strike="noStrike" cap="none" normalizeH="0" baseline="0" dirty="0">
+              <a:rPr kumimoji="0" lang="en-US" altLang="en-US" sz="1700" b="0" i="0" u="none" strike="noStrike" cap="none" normalizeH="0" baseline="0" dirty="0">
                 <a:ln>
                   <a:noFill/>
                 </a:ln>
@@ -14437,7 +14490,7 @@
               <a:tabLst/>
             </a:pPr>
             <a:r>
-              <a:rPr kumimoji="0" lang="en-US" altLang="en-US" sz="1800" b="0" i="0" u="none" strike="noStrike" cap="none" normalizeH="0" baseline="0" dirty="0">
+              <a:rPr kumimoji="0" lang="en-US" altLang="en-US" sz="1700" b="0" i="0" u="none" strike="noStrike" cap="none" normalizeH="0" baseline="0" dirty="0">
                 <a:ln>
                   <a:noFill/>
                 </a:ln>
@@ -14450,7 +14503,7 @@
               <a:t> The system is lightweight and suitable for </a:t>
             </a:r>
             <a:r>
-              <a:rPr kumimoji="0" lang="en-US" altLang="en-US" sz="1800" b="1" i="0" u="none" strike="noStrike" cap="none" normalizeH="0" baseline="0" dirty="0">
+              <a:rPr kumimoji="0" lang="en-US" altLang="en-US" sz="1700" b="1" i="0" u="none" strike="noStrike" cap="none" normalizeH="0" baseline="0" dirty="0">
                 <a:ln>
                   <a:noFill/>
                 </a:ln>
@@ -14463,7 +14516,7 @@
               <a:t>clinical triage, telemedicine</a:t>
             </a:r>
             <a:r>
-              <a:rPr kumimoji="0" lang="en-US" altLang="en-US" sz="1800" b="0" i="0" u="none" strike="noStrike" cap="none" normalizeH="0" baseline="0" dirty="0">
+              <a:rPr kumimoji="0" lang="en-US" altLang="en-US" sz="1700" b="0" i="0" u="none" strike="noStrike" cap="none" normalizeH="0" baseline="0" dirty="0">
                 <a:ln>
                   <a:noFill/>
                 </a:ln>
@@ -14476,7 +14529,7 @@
               <a:t>, and </a:t>
             </a:r>
             <a:r>
-              <a:rPr kumimoji="0" lang="en-US" altLang="en-US" sz="1800" b="1" i="0" u="none" strike="noStrike" cap="none" normalizeH="0" baseline="0" dirty="0">
+              <a:rPr kumimoji="0" lang="en-US" altLang="en-US" sz="1700" b="1" i="0" u="none" strike="noStrike" cap="none" normalizeH="0" baseline="0" dirty="0">
                 <a:ln>
                   <a:noFill/>
                 </a:ln>
@@ -14489,7 +14542,7 @@
               <a:t>low-resource environments</a:t>
             </a:r>
             <a:r>
-              <a:rPr kumimoji="0" lang="en-US" altLang="en-US" sz="1800" b="0" i="0" u="none" strike="noStrike" cap="none" normalizeH="0" baseline="0" dirty="0">
+              <a:rPr kumimoji="0" lang="en-US" altLang="en-US" sz="1700" b="0" i="0" u="none" strike="noStrike" cap="none" normalizeH="0" baseline="0" dirty="0">
                 <a:ln>
                   <a:noFill/>
                 </a:ln>
@@ -14501,6 +14554,115 @@
               </a:rPr>
               <a:t>.</a:t>
             </a:r>
+          </a:p>
+        </p:txBody>
+      </p:sp>
+      <p:pic>
+        <p:nvPicPr>
+          <p:cNvPr id="6" name="Picture 5">
+            <a:extLst>
+              <a:ext uri="{FF2B5EF4-FFF2-40B4-BE49-F238E27FC236}">
+                <a16:creationId xmlns:a16="http://schemas.microsoft.com/office/drawing/2014/main" id="{79638477-5229-69D1-A2D7-E6EF8C2441E4}"/>
+              </a:ext>
+            </a:extLst>
+          </p:cNvPr>
+          <p:cNvPicPr>
+            <a:picLocks noChangeAspect="1"/>
+          </p:cNvPicPr>
+          <p:nvPr/>
+        </p:nvPicPr>
+        <p:blipFill>
+          <a:blip r:embed="rId2"/>
+          <a:srcRect l="10779" t="12856" r="6777" b="12088"/>
+          <a:stretch/>
+        </p:blipFill>
+        <p:spPr>
+          <a:xfrm>
+            <a:off x="3901018" y="4579351"/>
+            <a:ext cx="6589182" cy="2082842"/>
+          </a:xfrm>
+          <a:prstGeom prst="rect">
+            <a:avLst/>
+          </a:prstGeom>
+        </p:spPr>
+      </p:pic>
+      <p:sp>
+        <p:nvSpPr>
+          <p:cNvPr id="9" name="TextBox 8">
+            <a:extLst>
+              <a:ext uri="{FF2B5EF4-FFF2-40B4-BE49-F238E27FC236}">
+                <a16:creationId xmlns:a16="http://schemas.microsoft.com/office/drawing/2014/main" id="{2BBC3E1E-09BE-1697-B72B-D98E716BD6EC}"/>
+              </a:ext>
+            </a:extLst>
+          </p:cNvPr>
+          <p:cNvSpPr txBox="1"/>
+          <p:nvPr/>
+        </p:nvSpPr>
+        <p:spPr>
+          <a:xfrm>
+            <a:off x="524719" y="5019976"/>
+            <a:ext cx="3556001" cy="923330"/>
+          </a:xfrm>
+          <a:prstGeom prst="rect">
+            <a:avLst/>
+          </a:prstGeom>
+          <a:noFill/>
+        </p:spPr>
+        <p:txBody>
+          <a:bodyPr wrap="square" rtlCol="0">
+            <a:spAutoFit/>
+            <a:scene3d>
+              <a:camera prst="orthographicFront"/>
+              <a:lightRig rig="harsh" dir="t"/>
+            </a:scene3d>
+            <a:sp3d extrusionH="57150" prstMaterial="matte">
+              <a:bevelT w="63500" h="12700" prst="angle"/>
+              <a:contourClr>
+                <a:schemeClr val="bg1">
+                  <a:lumMod val="65000"/>
+                </a:schemeClr>
+              </a:contourClr>
+            </a:sp3d>
+          </a:bodyPr>
+          <a:lstStyle/>
+          <a:p>
+            <a:r>
+              <a:rPr lang="en-US" b="1" dirty="0">
+                <a:ln/>
+                <a:solidFill>
+                  <a:schemeClr val="accent3"/>
+                </a:solidFill>
+              </a:rPr>
+              <a:t>Results Summary: KNN vs </a:t>
+            </a:r>
+          </a:p>
+          <a:p>
+            <a:r>
+              <a:rPr lang="en-US" b="1" dirty="0">
+                <a:ln/>
+                <a:solidFill>
+                  <a:schemeClr val="accent3"/>
+                </a:solidFill>
+              </a:rPr>
+              <a:t>Logistic Regression vs </a:t>
+            </a:r>
+          </a:p>
+          <a:p>
+            <a:r>
+              <a:rPr lang="en-US" b="1" dirty="0" err="1">
+                <a:ln/>
+                <a:solidFill>
+                  <a:schemeClr val="accent3"/>
+                </a:solidFill>
+              </a:rPr>
+              <a:t>XGBoost</a:t>
+            </a:r>
+            <a:endParaRPr lang="en-IN" b="1" dirty="0">
+              <a:ln/>
+              <a:solidFill>
+                <a:schemeClr val="accent3"/>
+              </a:solidFill>
+            </a:endParaRPr>
           </a:p>
         </p:txBody>
       </p:sp>
@@ -17091,7 +17253,7 @@
           <p:nvPr>
             <p:extLst>
               <p:ext uri="{D42A27DB-BD31-4B8C-83A1-F6EECF244321}">
-                <p14:modId xmlns:p14="http://schemas.microsoft.com/office/powerpoint/2010/main" val="2835056203"/>
+                <p14:modId xmlns:p14="http://schemas.microsoft.com/office/powerpoint/2010/main" val="3943821144"/>
               </p:ext>
             </p:extLst>
           </p:nvPr>
@@ -27504,6 +27666,35 @@
           <a:chExt cx="0" cy="0"/>
         </a:xfrm>
       </p:grpSpPr>
+      <p:pic>
+        <p:nvPicPr>
+          <p:cNvPr id="9" name="Picture 8">
+            <a:extLst>
+              <a:ext uri="{FF2B5EF4-FFF2-40B4-BE49-F238E27FC236}">
+                <a16:creationId xmlns:a16="http://schemas.microsoft.com/office/drawing/2014/main" id="{E8E59530-1C95-5023-A91B-666742456908}"/>
+              </a:ext>
+            </a:extLst>
+          </p:cNvPr>
+          <p:cNvPicPr>
+            <a:picLocks noChangeAspect="1"/>
+          </p:cNvPicPr>
+          <p:nvPr/>
+        </p:nvPicPr>
+        <p:blipFill>
+          <a:blip r:embed="rId2"/>
+          <a:srcRect l="9307" t="15954" r="4341" b="10147"/>
+          <a:stretch/>
+        </p:blipFill>
+        <p:spPr>
+          <a:xfrm>
+            <a:off x="7239000" y="1068528"/>
+            <a:ext cx="4432663" cy="4890947"/>
+          </a:xfrm>
+          <a:prstGeom prst="rect">
+            <a:avLst/>
+          </a:prstGeom>
+        </p:spPr>
+      </p:pic>
       <p:sp>
         <p:nvSpPr>
           <p:cNvPr id="2" name="Rectangle: Rounded Corners 1">
@@ -27566,10 +27757,10 @@
           <p:nvPr/>
         </p:nvPicPr>
         <p:blipFill>
-          <a:blip r:embed="rId2">
+          <a:blip r:embed="rId3">
             <a:extLst>
               <a:ext uri="{96DAC541-7B7A-43D3-8B79-37D633B846F1}">
-                <asvg:svgBlip xmlns:asvg="http://schemas.microsoft.com/office/drawing/2016/SVG/main" r:embed="rId3"/>
+                <asvg:svgBlip xmlns:asvg="http://schemas.microsoft.com/office/drawing/2016/SVG/main" r:embed="rId4"/>
               </a:ext>
             </a:extLst>
           </a:blip>
@@ -27585,45 +27776,6 @@
           <a:prstGeom prst="rect">
             <a:avLst/>
           </a:prstGeom>
-        </p:spPr>
-      </p:pic>
-      <p:pic>
-        <p:nvPicPr>
-          <p:cNvPr id="5" name="Picture 4" descr="Use case diagram of the proposed system.">
-            <a:extLst>
-              <a:ext uri="{FF2B5EF4-FFF2-40B4-BE49-F238E27FC236}">
-                <a16:creationId xmlns:a16="http://schemas.microsoft.com/office/drawing/2014/main" id="{96EAE259-1023-0CF1-E448-E07D2E470A07}"/>
-              </a:ext>
-            </a:extLst>
-          </p:cNvPr>
-          <p:cNvPicPr>
-            <a:picLocks noChangeAspect="1"/>
-          </p:cNvPicPr>
-          <p:nvPr/>
-        </p:nvPicPr>
-        <p:blipFill>
-          <a:blip r:embed="rId4">
-            <a:extLst>
-              <a:ext uri="{28A0092B-C50C-407E-A947-70E740481C1C}">
-                <a14:useLocalDpi xmlns:a14="http://schemas.microsoft.com/office/drawing/2010/main" val="0"/>
-              </a:ext>
-            </a:extLst>
-          </a:blip>
-          <a:srcRect l="498" t="7326" r="-498" b="10877"/>
-          <a:stretch/>
-        </p:blipFill>
-        <p:spPr bwMode="auto">
-          <a:xfrm>
-            <a:off x="7239000" y="1088020"/>
-            <a:ext cx="4812287" cy="5040418"/>
-          </a:xfrm>
-          <a:prstGeom prst="rect">
-            <a:avLst/>
-          </a:prstGeom>
-          <a:noFill/>
-          <a:ln>
-            <a:noFill/>
-          </a:ln>
         </p:spPr>
       </p:pic>
       <p:sp>

--- a/Reports/Disease Classification from Symptoms Description.pptx
+++ b/Reports/Disease Classification from Symptoms Description.pptx
@@ -7234,7 +7234,7 @@
         </p:nvSpPr>
         <p:spPr>
           <a:xfrm>
-            <a:off x="1151466" y="4761972"/>
+            <a:off x="1049866" y="4929414"/>
             <a:ext cx="5596467" cy="1655762"/>
           </a:xfrm>
         </p:spPr>
@@ -7292,6 +7292,47 @@
               <a:t>1</a:t>
             </a:fld>
             <a:endParaRPr lang="en-IN"/>
+          </a:p>
+        </p:txBody>
+      </p:sp>
+      <p:sp>
+        <p:nvSpPr>
+          <p:cNvPr id="5" name="TextBox 4">
+            <a:extLst>
+              <a:ext uri="{FF2B5EF4-FFF2-40B4-BE49-F238E27FC236}">
+                <a16:creationId xmlns:a16="http://schemas.microsoft.com/office/drawing/2014/main" id="{E8F91E87-C576-2DCD-FE18-CE76CB1AB3C9}"/>
+              </a:ext>
+            </a:extLst>
+          </p:cNvPr>
+          <p:cNvSpPr txBox="1"/>
+          <p:nvPr/>
+        </p:nvSpPr>
+        <p:spPr>
+          <a:xfrm>
+            <a:off x="6646333" y="4787846"/>
+            <a:ext cx="3649132" cy="830997"/>
+          </a:xfrm>
+          <a:prstGeom prst="rect">
+            <a:avLst/>
+          </a:prstGeom>
+          <a:noFill/>
+        </p:spPr>
+        <p:txBody>
+          <a:bodyPr wrap="square" rtlCol="0">
+            <a:spAutoFit/>
+          </a:bodyPr>
+          <a:lstStyle/>
+          <a:p>
+            <a:r>
+              <a:rPr lang="en-IN" sz="2400" dirty="0"/>
+              <a:t>Mentored By, </a:t>
+            </a:r>
+          </a:p>
+          <a:p>
+            <a:r>
+              <a:rPr lang="en-IN" sz="2400" dirty="0"/>
+              <a:t>Dr. Divya J</a:t>
+            </a:r>
           </a:p>
         </p:txBody>
       </p:sp>
